--- a/spring16/slidesS16/gray-edges.pptx
+++ b/spring16/slidesS16/gray-edges.pptx
@@ -2239,22 +2239,7 @@
                 <a:uFillTx/>
                 <a:latin typeface="Comic Sans MS" pitchFamily="66" charset="0"/>
               </a:rPr>
-              <a:t>Albert R Meyer       </a:t>
-            </a:r>
-            <a:r>
-              <a:rPr kumimoji="0" lang="en-US" sz="1200" b="0" i="0" u="none" strike="noStrike" kern="1200" cap="none" spc="0" normalizeH="0" baseline="0" noProof="0" dirty="0" smtClean="0">
-                <a:ln>
-                  <a:noFill/>
-                </a:ln>
-                <a:solidFill>
-                  <a:schemeClr val="tx1"/>
-                </a:solidFill>
-                <a:effectLst/>
-                <a:uLnTx/>
-                <a:uFillTx/>
-                <a:latin typeface="Comic Sans MS" pitchFamily="66" charset="0"/>
-              </a:rPr>
-              <a:t>April 8, 2016</a:t>
+              <a:t>Albert R Meyer       April 8, 2016</a:t>
             </a:r>
             <a:endParaRPr kumimoji="0" lang="en-US" sz="1200" b="0" i="0" u="none" strike="noStrike" kern="1200" cap="none" spc="0" normalizeH="0" baseline="0" noProof="0" dirty="0">
               <a:ln>
@@ -3146,29 +3131,13 @@
           <a:p>
             <a:r>
               <a:rPr lang="en-US" sz="5400" dirty="0" smtClean="0"/>
-              <a:t>If </a:t>
-            </a:r>
-            <a:r>
-              <a:rPr lang="en-US" sz="5400" dirty="0" smtClean="0"/>
-              <a:t>all edge </a:t>
-            </a:r>
-            <a:r>
-              <a:rPr lang="en-US" sz="5400" dirty="0" smtClean="0"/>
-              <a:t>weights differ,</a:t>
+              <a:t>If all edge weights differ,</a:t>
             </a:r>
           </a:p>
           <a:p>
             <a:r>
               <a:rPr lang="en-US" sz="6000" dirty="0" smtClean="0"/>
-              <a:t>then </a:t>
-            </a:r>
-            <a:r>
-              <a:rPr lang="en-US" sz="6000" dirty="0" smtClean="0"/>
-              <a:t>spanning tree </a:t>
-            </a:r>
-            <a:r>
-              <a:rPr lang="en-US" sz="6000" dirty="0" smtClean="0"/>
-              <a:t>is </a:t>
+              <a:t>then spanning tree is </a:t>
             </a:r>
           </a:p>
           <a:p>
@@ -3185,7 +3154,6 @@
               <a:rPr lang="en-US" sz="6000" dirty="0" smtClean="0"/>
               <a:t>.</a:t>
             </a:r>
-            <a:endParaRPr lang="en-US" sz="6000" dirty="0" smtClean="0"/>
           </a:p>
         </p:txBody>
       </p:sp>
@@ -3219,15 +3187,7 @@
             </a:r>
             <a:r>
               <a:rPr lang="en-US" sz="4000" dirty="0" smtClean="0"/>
-              <a:t>in</a:t>
-            </a:r>
-            <a:r>
-              <a:rPr lang="en-US" sz="4000" dirty="0" smtClean="0"/>
-              <a:t>-weight </a:t>
-            </a:r>
-            <a:r>
-              <a:rPr lang="en-US" sz="4000" dirty="0" smtClean="0"/>
-              <a:t>Tree </a:t>
+              <a:t>in-weight Tree </a:t>
             </a:r>
             <a:endParaRPr lang="en-US" sz="4000" dirty="0"/>
           </a:p>
@@ -3471,13 +3431,13 @@
   <p:clrMapOvr>
     <a:masterClrMapping/>
   </p:clrMapOvr>
-  <mc:AlternateContent xmlns:mc="http://schemas.openxmlformats.org/markup-compatibility/2006">
-    <mc:Choice xmlns:p14="http://schemas.microsoft.com/office/powerpoint/2010/main" Requires="p14">
+  <mc:AlternateContent xmlns:mc="http://schemas.openxmlformats.org/markup-compatibility/2006" xmlns:p14="http://schemas.microsoft.com/office/powerpoint/2010/main">
+    <mc:Choice Requires="p14">
       <p:transition spd="med" p14:dur="700" advClick="0">
         <p:fade/>
       </p:transition>
     </mc:Choice>
-    <mc:Fallback>
+    <mc:Fallback xmlns="">
       <p:transition xmlns:p14="http://schemas.microsoft.com/office/powerpoint/2010/main" spd="med" advClick="0">
         <p:fade/>
       </p:transition>
@@ -3795,11 +3755,7 @@
           <a:p>
             <a:r>
               <a:rPr lang="en-US" sz="4800" dirty="0" smtClean="0"/>
-              <a:t>then there is </a:t>
-            </a:r>
-            <a:r>
-              <a:rPr lang="en-US" sz="4800" dirty="0" smtClean="0"/>
-              <a:t>an edge </a:t>
+              <a:t>then there is an edge </a:t>
             </a:r>
             <a:r>
               <a:rPr lang="en-US" sz="5400" dirty="0" smtClean="0">
@@ -4031,7 +3987,7 @@
           <a:graphicData uri="http://schemas.openxmlformats.org/presentationml/2006/ole">
             <mc:AlternateContent xmlns:mc="http://schemas.openxmlformats.org/markup-compatibility/2006">
               <mc:Choice xmlns:v="urn:schemas-microsoft-com:vml" Requires="v">
-                <p:oleObj spid="_x0000_s19463" name="Equation" r:id="rId3" imgW="635000" imgH="228600" progId="Equation.DSMT4">
+                <p:oleObj spid="_x0000_s19469" name="Equation" r:id="rId3" imgW="635000" imgH="228600" progId="Equation.DSMT4">
                   <p:embed/>
                 </p:oleObj>
               </mc:Choice>
@@ -4088,11 +4044,7 @@
           <a:p>
             <a:r>
               <a:rPr lang="en-US" dirty="0" smtClean="0"/>
-              <a:t>Proof of </a:t>
-            </a:r>
-            <a:r>
-              <a:rPr lang="en-US" dirty="0" smtClean="0"/>
-              <a:t>Swap Lemma</a:t>
+              <a:t>Proof of Swap Lemma</a:t>
             </a:r>
             <a:endParaRPr lang="en-US" dirty="0"/>
           </a:p>
@@ -4108,13 +4060,13 @@
   <p:clrMapOvr>
     <a:masterClrMapping/>
   </p:clrMapOvr>
-  <mc:AlternateContent xmlns:mc="http://schemas.openxmlformats.org/markup-compatibility/2006">
-    <mc:Choice xmlns:p14="http://schemas.microsoft.com/office/powerpoint/2010/main" Requires="p14">
+  <mc:AlternateContent xmlns:mc="http://schemas.openxmlformats.org/markup-compatibility/2006" xmlns:p14="http://schemas.microsoft.com/office/powerpoint/2010/main">
+    <mc:Choice Requires="p14">
       <p:transition spd="slow" p14:dur="1200" advClick="0">
         <p:fade thruBlk="1"/>
       </p:transition>
     </mc:Choice>
-    <mc:Fallback>
+    <mc:Fallback xmlns="">
       <p:transition xmlns:p14="http://schemas.microsoft.com/office/powerpoint/2010/main" spd="slow" advClick="0">
         <p:fade thruBlk="1"/>
       </p:transition>
@@ -4521,11 +4473,7 @@
             </a:r>
             <a:r>
               <a:rPr lang="en-US" sz="6000" dirty="0" smtClean="0"/>
-              <a:t> </a:t>
-            </a:r>
-            <a:r>
-              <a:rPr lang="en-US" sz="6000" dirty="0" smtClean="0"/>
-              <a:t>is edge of</a:t>
+              <a:t> is edge of</a:t>
             </a:r>
             <a:r>
               <a:rPr lang="en-US" sz="6000" dirty="0" smtClean="0">
@@ -4561,11 +4509,7 @@
             </a:r>
             <a:r>
               <a:rPr lang="en-US" sz="6600" dirty="0" smtClean="0"/>
-              <a:t>be</a:t>
-            </a:r>
-            <a:r>
-              <a:rPr lang="en-US" sz="6600" dirty="0" smtClean="0"/>
-              <a:t> </a:t>
+              <a:t>be </a:t>
             </a:r>
             <a:r>
               <a:rPr lang="en-US" sz="6600" b="1" i="1" dirty="0">
@@ -4658,11 +4602,7 @@
           <a:p>
             <a:r>
               <a:rPr lang="en-US" dirty="0" smtClean="0"/>
-              <a:t>Proof of </a:t>
-            </a:r>
-            <a:r>
-              <a:rPr lang="en-US" dirty="0" smtClean="0"/>
-              <a:t>Swap Lemma</a:t>
+              <a:t>Proof of Swap Lemma</a:t>
             </a:r>
             <a:endParaRPr lang="en-US" dirty="0"/>
           </a:p>
@@ -4883,11 +4823,7 @@
           <a:p>
             <a:r>
               <a:rPr lang="en-US" dirty="0" smtClean="0"/>
-              <a:t>Proof of </a:t>
-            </a:r>
-            <a:r>
-              <a:rPr lang="en-US" dirty="0" smtClean="0"/>
-              <a:t>Swap Lemma</a:t>
+              <a:t>Proof of Swap Lemma</a:t>
             </a:r>
             <a:endParaRPr lang="en-US" dirty="0"/>
           </a:p>
@@ -4915,7 +4851,7 @@
           <a:graphicData uri="http://schemas.openxmlformats.org/presentationml/2006/ole">
             <mc:AlternateContent xmlns:mc="http://schemas.openxmlformats.org/markup-compatibility/2006">
               <mc:Choice xmlns:v="urn:schemas-microsoft-com:vml" Requires="v">
-                <p:oleObj spid="_x0000_s2118" name="Equation" r:id="rId3" imgW="1117600" imgH="152400" progId="Equation.DSMT4">
+                <p:oleObj spid="_x0000_s2129" name="Equation" r:id="rId3" imgW="1117600" imgH="152400" progId="Equation.DSMT4">
                   <p:embed/>
                 </p:oleObj>
               </mc:Choice>
@@ -4972,7 +4908,7 @@
           <a:graphicData uri="http://schemas.openxmlformats.org/presentationml/2006/ole">
             <mc:AlternateContent xmlns:mc="http://schemas.openxmlformats.org/markup-compatibility/2006">
               <mc:Choice xmlns:v="urn:schemas-microsoft-com:vml" Requires="v">
-                <p:oleObj spid="_x0000_s2119" name="Equation" r:id="rId5" imgW="889000" imgH="190500" progId="Equation.DSMT4">
+                <p:oleObj spid="_x0000_s2130" name="Equation" r:id="rId5" imgW="889000" imgH="190500" progId="Equation.DSMT4">
                   <p:embed/>
                 </p:oleObj>
               </mc:Choice>
@@ -7299,19 +7235,7 @@
           <a:p>
             <a:r>
               <a:rPr lang="en-US" dirty="0" smtClean="0"/>
-              <a:t>Proof of </a:t>
-            </a:r>
-            <a:r>
-              <a:rPr lang="en-US" dirty="0" smtClean="0"/>
-              <a:t>Swa</a:t>
-            </a:r>
-            <a:r>
-              <a:rPr lang="en-US" dirty="0" smtClean="0"/>
-              <a:t>p </a:t>
-            </a:r>
-            <a:r>
-              <a:rPr lang="en-US" dirty="0" smtClean="0"/>
-              <a:t>Lemma</a:t>
+              <a:t>Proof of Swap Lemma</a:t>
             </a:r>
             <a:endParaRPr lang="en-US" dirty="0"/>
           </a:p>
@@ -7496,11 +7420,11 @@
   <p:clrMapOvr>
     <a:masterClrMapping/>
   </p:clrMapOvr>
-  <mc:AlternateContent xmlns:mc="http://schemas.openxmlformats.org/markup-compatibility/2006">
-    <mc:Choice xmlns:p14="http://schemas.microsoft.com/office/powerpoint/2010/main" Requires="p14">
+  <mc:AlternateContent xmlns:mc="http://schemas.openxmlformats.org/markup-compatibility/2006" xmlns:p14="http://schemas.microsoft.com/office/powerpoint/2010/main">
+    <mc:Choice Requires="p14">
       <p:transition p14:dur="0" advClick="0"/>
     </mc:Choice>
-    <mc:Fallback>
+    <mc:Fallback xmlns="">
       <p:transition xmlns:p14="http://schemas.microsoft.com/office/powerpoint/2010/main" advClick="0"/>
     </mc:Fallback>
   </mc:AlternateContent>
@@ -9712,11 +9636,7 @@
           <a:p>
             <a:r>
               <a:rPr lang="en-US" dirty="0" smtClean="0"/>
-              <a:t>Proof of </a:t>
-            </a:r>
-            <a:r>
-              <a:rPr lang="en-US" dirty="0" smtClean="0"/>
-              <a:t>Swap Lemma</a:t>
+              <a:t>Proof of Swap Lemma</a:t>
             </a:r>
             <a:endParaRPr lang="en-US" dirty="0"/>
           </a:p>
@@ -9872,11 +9792,11 @@
   <p:clrMapOvr>
     <a:masterClrMapping/>
   </p:clrMapOvr>
-  <mc:AlternateContent xmlns:mc="http://schemas.openxmlformats.org/markup-compatibility/2006">
-    <mc:Choice xmlns:p14="http://schemas.microsoft.com/office/powerpoint/2010/main" Requires="p14">
+  <mc:AlternateContent xmlns:mc="http://schemas.openxmlformats.org/markup-compatibility/2006" xmlns:p14="http://schemas.microsoft.com/office/powerpoint/2010/main">
+    <mc:Choice Requires="p14">
       <p:transition p14:dur="0" advClick="0"/>
     </mc:Choice>
-    <mc:Fallback>
+    <mc:Fallback xmlns="">
       <p:transition xmlns:p14="http://schemas.microsoft.com/office/powerpoint/2010/main" advClick="0"/>
     </mc:Fallback>
   </mc:AlternateContent>
@@ -12161,11 +12081,7 @@
           <a:p>
             <a:r>
               <a:rPr lang="en-US" dirty="0" smtClean="0"/>
-              <a:t>Proof of </a:t>
-            </a:r>
-            <a:r>
-              <a:rPr lang="en-US" dirty="0" smtClean="0"/>
-              <a:t>Swap Lemma</a:t>
+              <a:t>Proof of Swap Lemma</a:t>
             </a:r>
             <a:endParaRPr lang="en-US" dirty="0"/>
           </a:p>
@@ -12363,11 +12279,11 @@
   <p:clrMapOvr>
     <a:masterClrMapping/>
   </p:clrMapOvr>
-  <mc:AlternateContent xmlns:mc="http://schemas.openxmlformats.org/markup-compatibility/2006">
-    <mc:Choice xmlns:p14="http://schemas.microsoft.com/office/powerpoint/2010/main" Requires="p14">
+  <mc:AlternateContent xmlns:mc="http://schemas.openxmlformats.org/markup-compatibility/2006" xmlns:p14="http://schemas.microsoft.com/office/powerpoint/2010/main">
+    <mc:Choice Requires="p14">
       <p:transition p14:dur="0" advClick="0"/>
     </mc:Choice>
-    <mc:Fallback>
+    <mc:Fallback xmlns="">
       <p:transition xmlns:p14="http://schemas.microsoft.com/office/powerpoint/2010/main" advClick="0"/>
     </mc:Fallback>
   </mc:AlternateContent>
@@ -14365,11 +14281,7 @@
           <a:p>
             <a:r>
               <a:rPr lang="en-US" dirty="0" smtClean="0"/>
-              <a:t>Proof of </a:t>
-            </a:r>
-            <a:r>
-              <a:rPr lang="en-US" dirty="0" smtClean="0"/>
-              <a:t>Swap Lemma</a:t>
+              <a:t>Proof of Swap Lemma</a:t>
             </a:r>
             <a:endParaRPr lang="en-US" dirty="0"/>
           </a:p>
@@ -14609,7 +14521,7 @@
           <a:graphicData uri="http://schemas.openxmlformats.org/presentationml/2006/ole">
             <mc:AlternateContent xmlns:mc="http://schemas.openxmlformats.org/markup-compatibility/2006">
               <mc:Choice xmlns:v="urn:schemas-microsoft-com:vml" Requires="v">
-                <p:oleObj spid="_x0000_s23563" name="Equation" r:id="rId3" imgW="393700" imgH="228600" progId="Equation.DSMT4">
+                <p:oleObj spid="_x0000_s23569" name="Equation" r:id="rId3" imgW="393700" imgH="228600" progId="Equation.DSMT4">
                   <p:embed/>
                 </p:oleObj>
               </mc:Choice>
@@ -14814,11 +14726,11 @@
   <p:clrMapOvr>
     <a:masterClrMapping/>
   </p:clrMapOvr>
-  <mc:AlternateContent xmlns:mc="http://schemas.openxmlformats.org/markup-compatibility/2006">
-    <mc:Choice xmlns:p14="http://schemas.microsoft.com/office/powerpoint/2010/main" Requires="p14">
+  <mc:AlternateContent xmlns:mc="http://schemas.openxmlformats.org/markup-compatibility/2006" xmlns:p14="http://schemas.microsoft.com/office/powerpoint/2010/main">
+    <mc:Choice Requires="p14">
       <p:transition p14:dur="0" advClick="0"/>
     </mc:Choice>
-    <mc:Fallback>
+    <mc:Fallback xmlns="">
       <p:transition xmlns:p14="http://schemas.microsoft.com/office/powerpoint/2010/main" advClick="0"/>
     </mc:Fallback>
   </mc:AlternateContent>
@@ -17025,11 +16937,7 @@
           <a:p>
             <a:r>
               <a:rPr lang="en-US" dirty="0" smtClean="0"/>
-              <a:t>Proof of </a:t>
-            </a:r>
-            <a:r>
-              <a:rPr lang="en-US" dirty="0" smtClean="0"/>
-              <a:t>Swap Lemma</a:t>
+              <a:t>Proof of Swap Lemma</a:t>
             </a:r>
             <a:endParaRPr lang="en-US" dirty="0"/>
           </a:p>
@@ -17171,7 +17079,7 @@
           <a:graphicData uri="http://schemas.openxmlformats.org/presentationml/2006/ole">
             <mc:AlternateContent xmlns:mc="http://schemas.openxmlformats.org/markup-compatibility/2006">
               <mc:Choice xmlns:v="urn:schemas-microsoft-com:vml" Requires="v">
-                <p:oleObj spid="_x0000_s9254" name="Equation" r:id="rId3" imgW="635000" imgH="228600" progId="Equation.DSMT4">
+                <p:oleObj spid="_x0000_s9260" name="Equation" r:id="rId3" imgW="635000" imgH="228600" progId="Equation.DSMT4">
                   <p:embed/>
                 </p:oleObj>
               </mc:Choice>
@@ -17455,11 +17363,7 @@
           <a:p>
             <a:r>
               <a:rPr lang="en-US" dirty="0" smtClean="0"/>
-              <a:t>Proof of </a:t>
-            </a:r>
-            <a:r>
-              <a:rPr lang="en-US" dirty="0" smtClean="0"/>
-              <a:t>Swap Lemma</a:t>
+              <a:t>Proof of Swap Lemma</a:t>
             </a:r>
             <a:endParaRPr lang="en-US" dirty="0"/>
           </a:p>
@@ -17539,11 +17443,7 @@
             <a:p>
               <a:r>
                 <a:rPr lang="en-US" sz="5400" dirty="0" smtClean="0"/>
-                <a:t>end</a:t>
-              </a:r>
-              <a:r>
-                <a:rPr lang="en-US" sz="5400" dirty="0" smtClean="0"/>
-                <a:t>-points of </a:t>
+                <a:t>end-points of </a:t>
               </a:r>
               <a:r>
                 <a:rPr lang="en-US" sz="5400" dirty="0" smtClean="0">
@@ -17597,7 +17497,7 @@
             <a:graphicData uri="http://schemas.openxmlformats.org/presentationml/2006/ole">
               <mc:AlternateContent xmlns:mc="http://schemas.openxmlformats.org/markup-compatibility/2006">
                 <mc:Choice xmlns:v="urn:schemas-microsoft-com:vml" Requires="v">
-                  <p:oleObj spid="_x0000_s28676" name="Equation" r:id="rId3" imgW="635000" imgH="228600" progId="Equation.DSMT4">
+                  <p:oleObj spid="_x0000_s28682" name="Equation" r:id="rId3" imgW="635000" imgH="228600" progId="Equation.DSMT4">
                     <p:embed/>
                   </p:oleObj>
                 </mc:Choice>
@@ -17643,13 +17543,13 @@
   <p:clrMapOvr>
     <a:masterClrMapping/>
   </p:clrMapOvr>
-  <mc:AlternateContent xmlns:mc="http://schemas.openxmlformats.org/markup-compatibility/2006">
-    <mc:Choice xmlns:p14="http://schemas.microsoft.com/office/powerpoint/2010/main" Requires="p14">
+  <mc:AlternateContent xmlns:mc="http://schemas.openxmlformats.org/markup-compatibility/2006" xmlns:p14="http://schemas.microsoft.com/office/powerpoint/2010/main">
+    <mc:Choice Requires="p14">
       <p:transition spd="med" p14:dur="700" advClick="0">
         <p:fade thruBlk="1"/>
       </p:transition>
     </mc:Choice>
-    <mc:Fallback>
+    <mc:Fallback xmlns="">
       <p:transition xmlns:p14="http://schemas.microsoft.com/office/powerpoint/2010/main" spd="med" advClick="0">
         <p:fade thruBlk="1"/>
       </p:transition>
@@ -20035,11 +19935,7 @@
           <a:p>
             <a:r>
               <a:rPr lang="en-US" dirty="0" smtClean="0"/>
-              <a:t>Proof of </a:t>
-            </a:r>
-            <a:r>
-              <a:rPr lang="en-US" dirty="0" smtClean="0"/>
-              <a:t>Swap Lemma</a:t>
+              <a:t>Proof of Swap Lemma</a:t>
             </a:r>
             <a:endParaRPr lang="en-US" dirty="0"/>
           </a:p>
@@ -20181,7 +20077,7 @@
           <a:graphicData uri="http://schemas.openxmlformats.org/presentationml/2006/ole">
             <mc:AlternateContent xmlns:mc="http://schemas.openxmlformats.org/markup-compatibility/2006">
               <mc:Choice xmlns:v="urn:schemas-microsoft-com:vml" Requires="v">
-                <p:oleObj spid="_x0000_s27651" name="Equation" r:id="rId3" imgW="635000" imgH="228600" progId="Equation.DSMT4">
+                <p:oleObj spid="_x0000_s27657" name="Equation" r:id="rId3" imgW="635000" imgH="228600" progId="Equation.DSMT4">
                   <p:embed/>
                 </p:oleObj>
               </mc:Choice>
@@ -22373,11 +22269,7 @@
           <a:p>
             <a:r>
               <a:rPr lang="en-US" dirty="0" smtClean="0"/>
-              <a:t>Proof of </a:t>
-            </a:r>
-            <a:r>
-              <a:rPr lang="en-US" dirty="0" smtClean="0"/>
-              <a:t>Swap Lemma</a:t>
+              <a:t>Proof of Swap Lemma</a:t>
             </a:r>
             <a:endParaRPr lang="en-US" dirty="0"/>
           </a:p>
@@ -22519,7 +22411,7 @@
           <a:graphicData uri="http://schemas.openxmlformats.org/presentationml/2006/ole">
             <mc:AlternateContent xmlns:mc="http://schemas.openxmlformats.org/markup-compatibility/2006">
               <mc:Choice xmlns:v="urn:schemas-microsoft-com:vml" Requires="v">
-                <p:oleObj spid="_x0000_s10277" name="Equation" r:id="rId3" imgW="635000" imgH="228600" progId="Equation.DSMT4">
+                <p:oleObj spid="_x0000_s10283" name="Equation" r:id="rId3" imgW="635000" imgH="228600" progId="Equation.DSMT4">
                   <p:embed/>
                 </p:oleObj>
               </mc:Choice>
@@ -22709,11 +22601,11 @@
   <p:clrMapOvr>
     <a:masterClrMapping/>
   </p:clrMapOvr>
-  <mc:AlternateContent xmlns:mc="http://schemas.openxmlformats.org/markup-compatibility/2006">
-    <mc:Choice xmlns:p14="http://schemas.microsoft.com/office/powerpoint/2010/main" Requires="p14">
+  <mc:AlternateContent xmlns:mc="http://schemas.openxmlformats.org/markup-compatibility/2006" xmlns:p14="http://schemas.microsoft.com/office/powerpoint/2010/main">
+    <mc:Choice Requires="p14">
       <p:transition p14:dur="0" advClick="0"/>
     </mc:Choice>
-    <mc:Fallback>
+    <mc:Fallback xmlns="">
       <p:transition xmlns:p14="http://schemas.microsoft.com/office/powerpoint/2010/main" advClick="0"/>
     </mc:Fallback>
   </mc:AlternateContent>
@@ -22799,11 +22691,7 @@
           <a:p>
             <a:r>
               <a:rPr lang="en-US" dirty="0" smtClean="0"/>
-              <a:t>Proof of </a:t>
-            </a:r>
-            <a:r>
-              <a:rPr lang="en-US" dirty="0" smtClean="0"/>
-              <a:t>Swap Lemma</a:t>
+              <a:t>Proof of Swap Lemma</a:t>
             </a:r>
             <a:endParaRPr lang="en-US" dirty="0"/>
           </a:p>
@@ -22883,11 +22771,7 @@
             <a:p>
               <a:r>
                 <a:rPr lang="en-US" sz="5400" dirty="0" smtClean="0"/>
-                <a:t>end</a:t>
-              </a:r>
-              <a:r>
-                <a:rPr lang="en-US" sz="5400" dirty="0" smtClean="0"/>
-                <a:t>-points of </a:t>
+                <a:t>end-points of </a:t>
               </a:r>
               <a:r>
                 <a:rPr lang="en-US" sz="5400" dirty="0" smtClean="0">
@@ -22941,7 +22825,7 @@
             <a:graphicData uri="http://schemas.openxmlformats.org/presentationml/2006/ole">
               <mc:AlternateContent xmlns:mc="http://schemas.openxmlformats.org/markup-compatibility/2006">
                 <mc:Choice xmlns:v="urn:schemas-microsoft-com:vml" Requires="v">
-                  <p:oleObj spid="_x0000_s31749" name="Equation" r:id="rId3" imgW="635000" imgH="228600" progId="Equation.DSMT4">
+                  <p:oleObj spid="_x0000_s31755" name="Equation" r:id="rId3" imgW="635000" imgH="228600" progId="Equation.DSMT4">
                     <p:embed/>
                   </p:oleObj>
                 </mc:Choice>
@@ -23132,13 +23016,13 @@
   <p:clrMapOvr>
     <a:masterClrMapping/>
   </p:clrMapOvr>
-  <mc:AlternateContent xmlns:mc="http://schemas.openxmlformats.org/markup-compatibility/2006">
-    <mc:Choice xmlns:p14="http://schemas.microsoft.com/office/powerpoint/2010/main" Requires="p14">
+  <mc:AlternateContent xmlns:mc="http://schemas.openxmlformats.org/markup-compatibility/2006" xmlns:p14="http://schemas.microsoft.com/office/powerpoint/2010/main">
+    <mc:Choice Requires="p14">
       <p:transition spd="med" p14:dur="700" advClick="0">
         <p:fade/>
       </p:transition>
     </mc:Choice>
-    <mc:Fallback>
+    <mc:Fallback xmlns="">
       <p:transition xmlns:p14="http://schemas.microsoft.com/office/powerpoint/2010/main" spd="med" advClick="0">
         <p:fade/>
       </p:transition>
@@ -23425,13 +23309,8 @@
           <a:p>
             <a:r>
               <a:rPr lang="en-US" sz="4400" dirty="0" smtClean="0"/>
-              <a:t>connected component</a:t>
-            </a:r>
-            <a:r>
-              <a:rPr lang="en-US" sz="4400" dirty="0" smtClean="0"/>
-              <a:t>.</a:t>
-            </a:r>
-            <a:endParaRPr lang="en-US" sz="4400" dirty="0" smtClean="0"/>
+              <a:t>connected component.</a:t>
+            </a:r>
           </a:p>
         </p:txBody>
       </p:sp>
@@ -24051,7 +23930,6 @@
               <a:rPr lang="en-US" sz="6000" dirty="0" smtClean="0"/>
               <a:t> connects </a:t>
             </a:r>
-            <a:endParaRPr lang="en-US" sz="6000" dirty="0" smtClean="0"/>
           </a:p>
           <a:p>
             <a:pPr>
@@ -24061,13 +23939,8 @@
             </a:pPr>
             <a:r>
               <a:rPr lang="en-US" sz="6000" dirty="0" smtClean="0"/>
-              <a:t>vertices </a:t>
-            </a:r>
-            <a:r>
-              <a:rPr lang="en-US" sz="6000" dirty="0" smtClean="0"/>
-              <a:t>with different </a:t>
-            </a:r>
-            <a:endParaRPr lang="en-US" sz="6000" dirty="0" smtClean="0"/>
+              <a:t>vertices with different </a:t>
+            </a:r>
           </a:p>
           <a:p>
             <a:pPr>
@@ -24077,11 +23950,7 @@
             </a:pPr>
             <a:r>
               <a:rPr lang="en-US" sz="6000" dirty="0" smtClean="0"/>
-              <a:t>colors</a:t>
-            </a:r>
-            <a:r>
-              <a:rPr lang="en-US" sz="6000" dirty="0" smtClean="0"/>
-              <a:t>:  </a:t>
+              <a:t>colors:  </a:t>
             </a:r>
           </a:p>
           <a:p>
@@ -24124,11 +23993,7 @@
             </a:r>
             <a:r>
               <a:rPr lang="en-US" sz="6000" dirty="0" smtClean="0"/>
-              <a:t> </a:t>
-            </a:r>
-            <a:r>
-              <a:rPr lang="en-US" sz="6000" dirty="0" smtClean="0"/>
-              <a:t>be </a:t>
+              <a:t> be </a:t>
             </a:r>
             <a:r>
               <a:rPr lang="en-US" sz="6000" dirty="0"/>
@@ -24156,11 +24021,7 @@
             </a:pPr>
             <a:r>
               <a:rPr lang="en-US" sz="6000" dirty="0" smtClean="0"/>
-              <a:t>gray </a:t>
-            </a:r>
-            <a:r>
-              <a:rPr lang="en-US" sz="6000" dirty="0" smtClean="0"/>
-              <a:t>edge.</a:t>
+              <a:t>gray edge.</a:t>
             </a:r>
             <a:endParaRPr lang="en-US" sz="6000" dirty="0"/>
           </a:p>
@@ -24575,17 +24436,12 @@
           <a:p>
             <a:r>
               <a:rPr lang="en-US" dirty="0" smtClean="0"/>
-              <a:t>Gray </a:t>
-            </a:r>
-            <a:r>
-              <a:rPr lang="en-US" dirty="0" smtClean="0"/>
-              <a:t>Edge </a:t>
+              <a:t>Gray Edge </a:t>
             </a:r>
             <a:r>
               <a:rPr lang="en-US" dirty="0"/>
               <a:t>Swap Lemma</a:t>
             </a:r>
-            <a:endParaRPr lang="en-US" dirty="0"/>
           </a:p>
         </p:txBody>
       </p:sp>
@@ -24645,11 +24501,7 @@
           <a:p>
             <a:r>
               <a:rPr lang="en-US" sz="4800" dirty="0" smtClean="0"/>
-              <a:t>then there is </a:t>
-            </a:r>
-            <a:r>
-              <a:rPr lang="en-US" sz="4800" dirty="0" smtClean="0"/>
-              <a:t>an edge </a:t>
+              <a:t>then there is an edge </a:t>
             </a:r>
             <a:r>
               <a:rPr lang="en-US" sz="5400" dirty="0" smtClean="0">
@@ -24881,7 +24733,7 @@
           <a:graphicData uri="http://schemas.openxmlformats.org/presentationml/2006/ole">
             <mc:AlternateContent xmlns:mc="http://schemas.openxmlformats.org/markup-compatibility/2006">
               <mc:Choice xmlns:v="urn:schemas-microsoft-com:vml" Requires="v">
-                <p:oleObj spid="_x0000_s17424" name="Equation" r:id="rId3" imgW="635000" imgH="228600" progId="Equation.DSMT4">
+                <p:oleObj spid="_x0000_s17430" name="Equation" r:id="rId3" imgW="635000" imgH="228600" progId="Equation.DSMT4">
                   <p:embed/>
                 </p:oleObj>
               </mc:Choice>
@@ -24926,13 +24778,13 @@
   <p:clrMapOvr>
     <a:masterClrMapping/>
   </p:clrMapOvr>
-  <mc:AlternateContent xmlns:mc="http://schemas.openxmlformats.org/markup-compatibility/2006">
-    <mc:Choice xmlns:p14="http://schemas.microsoft.com/office/powerpoint/2010/main" Requires="p14">
+  <mc:AlternateContent xmlns:mc="http://schemas.openxmlformats.org/markup-compatibility/2006" xmlns:p14="http://schemas.microsoft.com/office/powerpoint/2010/main">
+    <mc:Choice Requires="p14">
       <p:transition spd="slow" p14:dur="900" advClick="0">
         <p:fade thruBlk="1"/>
       </p:transition>
     </mc:Choice>
-    <mc:Fallback>
+    <mc:Fallback xmlns="">
       <p:transition xmlns:p14="http://schemas.microsoft.com/office/powerpoint/2010/main" spd="slow" advClick="0">
         <p:fade thruBlk="1"/>
       </p:transition>
@@ -25380,17 +25232,7 @@
                   </a:schemeClr>
                 </a:solidFill>
               </a:rPr>
-              <a:t>gray </a:t>
-            </a:r>
-            <a:r>
-              <a:rPr lang="en-US" sz="4800" dirty="0" smtClean="0">
-                <a:solidFill>
-                  <a:schemeClr val="accent1">
-                    <a:lumMod val="50000"/>
-                  </a:schemeClr>
-                </a:solidFill>
-              </a:rPr>
-              <a:t>edge</a:t>
+              <a:t>gray edge</a:t>
             </a:r>
             <a:endParaRPr lang="en-US" sz="4800" dirty="0"/>
           </a:p>
@@ -25901,7 +25743,7 @@
                   <a:srgbClr val="0000F1"/>
                 </a:solidFill>
               </a:rPr>
-              <a:t> (</a:t>
+              <a:t>(</a:t>
             </a:r>
             <a:r>
               <a:rPr lang="en-US" sz="5400" b="1" i="1" dirty="0">
@@ -26030,11 +25872,7 @@
             </a:r>
             <a:r>
               <a:rPr lang="en-US" sz="4800" dirty="0" smtClean="0"/>
-              <a:t>is </a:t>
-            </a:r>
-            <a:r>
-              <a:rPr lang="en-US" sz="4800" dirty="0" smtClean="0"/>
-              <a:t>a member of </a:t>
+              <a:t>is a member of </a:t>
             </a:r>
             <a:r>
               <a:rPr lang="en-US" sz="4800" b="1" dirty="0" smtClean="0">
@@ -26048,11 +25886,7 @@
           <a:p>
             <a:r>
               <a:rPr lang="en-US" sz="4800" dirty="0" smtClean="0"/>
-              <a:t>min-weight spanning </a:t>
-            </a:r>
-            <a:r>
-              <a:rPr lang="en-US" sz="4800" dirty="0" smtClean="0"/>
-              <a:t>tree.</a:t>
+              <a:t>min-weight spanning tree.</a:t>
             </a:r>
             <a:endParaRPr lang="en-US" sz="4800" dirty="0"/>
           </a:p>
@@ -26665,7 +26499,7 @@
           <a:graphicData uri="http://schemas.openxmlformats.org/presentationml/2006/ole">
             <mc:AlternateContent xmlns:mc="http://schemas.openxmlformats.org/markup-compatibility/2006">
               <mc:Choice xmlns:v="urn:schemas-microsoft-com:vml" Requires="v">
-                <p:oleObj spid="_x0000_s18446" name="Equation" r:id="rId3" imgW="635000" imgH="228600" progId="Equation.DSMT4">
+                <p:oleObj spid="_x0000_s18452" name="Equation" r:id="rId3" imgW="635000" imgH="228600" progId="Equation.DSMT4">
                   <p:embed/>
                 </p:oleObj>
               </mc:Choice>
@@ -26792,11 +26626,11 @@
   <p:clrMapOvr>
     <a:masterClrMapping/>
   </p:clrMapOvr>
-  <mc:AlternateContent xmlns:mc="http://schemas.openxmlformats.org/markup-compatibility/2006">
-    <mc:Choice xmlns:p14="http://schemas.microsoft.com/office/powerpoint/2010/main" Requires="p14">
+  <mc:AlternateContent xmlns:mc="http://schemas.openxmlformats.org/markup-compatibility/2006" xmlns:p14="http://schemas.microsoft.com/office/powerpoint/2010/main">
+    <mc:Choice Requires="p14">
       <p:transition p14:dur="0" advClick="0"/>
     </mc:Choice>
-    <mc:Fallback>
+    <mc:Fallback xmlns="">
       <p:transition xmlns:p14="http://schemas.microsoft.com/office/powerpoint/2010/main" advClick="0"/>
     </mc:Fallback>
   </mc:AlternateContent>

--- a/spring16/slidesS16/gray-edges.pptx
+++ b/spring16/slidesS16/gray-edges.pptx
@@ -3987,7 +3987,7 @@
           <a:graphicData uri="http://schemas.openxmlformats.org/presentationml/2006/ole">
             <mc:AlternateContent xmlns:mc="http://schemas.openxmlformats.org/markup-compatibility/2006">
               <mc:Choice xmlns:v="urn:schemas-microsoft-com:vml" Requires="v">
-                <p:oleObj spid="_x0000_s19469" name="Equation" r:id="rId3" imgW="635000" imgH="228600" progId="Equation.DSMT4">
+                <p:oleObj spid="_x0000_s19471" name="Equation" r:id="rId3" imgW="635000" imgH="228600" progId="Equation.DSMT4">
                   <p:embed/>
                 </p:oleObj>
               </mc:Choice>
@@ -4851,7 +4851,7 @@
           <a:graphicData uri="http://schemas.openxmlformats.org/presentationml/2006/ole">
             <mc:AlternateContent xmlns:mc="http://schemas.openxmlformats.org/markup-compatibility/2006">
               <mc:Choice xmlns:v="urn:schemas-microsoft-com:vml" Requires="v">
-                <p:oleObj spid="_x0000_s2129" name="Equation" r:id="rId3" imgW="1117600" imgH="152400" progId="Equation.DSMT4">
+                <p:oleObj spid="_x0000_s2132" name="Equation" r:id="rId3" imgW="1117600" imgH="152400" progId="Equation.DSMT4">
                   <p:embed/>
                 </p:oleObj>
               </mc:Choice>
@@ -4908,7 +4908,7 @@
           <a:graphicData uri="http://schemas.openxmlformats.org/presentationml/2006/ole">
             <mc:AlternateContent xmlns:mc="http://schemas.openxmlformats.org/markup-compatibility/2006">
               <mc:Choice xmlns:v="urn:schemas-microsoft-com:vml" Requires="v">
-                <p:oleObj spid="_x0000_s2130" name="Equation" r:id="rId5" imgW="889000" imgH="190500" progId="Equation.DSMT4">
+                <p:oleObj spid="_x0000_s2133" name="Equation" r:id="rId5" imgW="889000" imgH="190500" progId="Equation.DSMT4">
                   <p:embed/>
                 </p:oleObj>
               </mc:Choice>
@@ -7420,12 +7420,16 @@
   <p:clrMapOvr>
     <a:masterClrMapping/>
   </p:clrMapOvr>
-  <mc:AlternateContent xmlns:mc="http://schemas.openxmlformats.org/markup-compatibility/2006" xmlns:p14="http://schemas.microsoft.com/office/powerpoint/2010/main">
-    <mc:Choice Requires="p14">
-      <p:transition p14:dur="0" advClick="0"/>
+  <mc:AlternateContent xmlns:mc="http://schemas.openxmlformats.org/markup-compatibility/2006">
+    <mc:Choice xmlns:p14="http://schemas.microsoft.com/office/powerpoint/2010/main" Requires="p14">
+      <p:transition spd="med" p14:dur="700" advClick="0">
+        <p:fade/>
+      </p:transition>
     </mc:Choice>
-    <mc:Fallback xmlns="">
-      <p:transition xmlns:p14="http://schemas.microsoft.com/office/powerpoint/2010/main" advClick="0"/>
+    <mc:Fallback>
+      <p:transition xmlns:p14="http://schemas.microsoft.com/office/powerpoint/2010/main" spd="med" advClick="0">
+        <p:fade/>
+      </p:transition>
     </mc:Fallback>
   </mc:AlternateContent>
   <p:timing>
@@ -14521,7 +14525,7 @@
           <a:graphicData uri="http://schemas.openxmlformats.org/presentationml/2006/ole">
             <mc:AlternateContent xmlns:mc="http://schemas.openxmlformats.org/markup-compatibility/2006">
               <mc:Choice xmlns:v="urn:schemas-microsoft-com:vml" Requires="v">
-                <p:oleObj spid="_x0000_s23569" name="Equation" r:id="rId3" imgW="393700" imgH="228600" progId="Equation.DSMT4">
+                <p:oleObj spid="_x0000_s23571" name="Equation" r:id="rId3" imgW="393700" imgH="228600" progId="Equation.DSMT4">
                   <p:embed/>
                 </p:oleObj>
               </mc:Choice>
@@ -17079,7 +17083,7 @@
           <a:graphicData uri="http://schemas.openxmlformats.org/presentationml/2006/ole">
             <mc:AlternateContent xmlns:mc="http://schemas.openxmlformats.org/markup-compatibility/2006">
               <mc:Choice xmlns:v="urn:schemas-microsoft-com:vml" Requires="v">
-                <p:oleObj spid="_x0000_s9260" name="Equation" r:id="rId3" imgW="635000" imgH="228600" progId="Equation.DSMT4">
+                <p:oleObj spid="_x0000_s9262" name="Equation" r:id="rId3" imgW="635000" imgH="228600" progId="Equation.DSMT4">
                   <p:embed/>
                 </p:oleObj>
               </mc:Choice>
@@ -17497,7 +17501,7 @@
             <a:graphicData uri="http://schemas.openxmlformats.org/presentationml/2006/ole">
               <mc:AlternateContent xmlns:mc="http://schemas.openxmlformats.org/markup-compatibility/2006">
                 <mc:Choice xmlns:v="urn:schemas-microsoft-com:vml" Requires="v">
-                  <p:oleObj spid="_x0000_s28682" name="Equation" r:id="rId3" imgW="635000" imgH="228600" progId="Equation.DSMT4">
+                  <p:oleObj spid="_x0000_s28684" name="Equation" r:id="rId3" imgW="635000" imgH="228600" progId="Equation.DSMT4">
                     <p:embed/>
                   </p:oleObj>
                 </mc:Choice>
@@ -20077,7 +20081,7 @@
           <a:graphicData uri="http://schemas.openxmlformats.org/presentationml/2006/ole">
             <mc:AlternateContent xmlns:mc="http://schemas.openxmlformats.org/markup-compatibility/2006">
               <mc:Choice xmlns:v="urn:schemas-microsoft-com:vml" Requires="v">
-                <p:oleObj spid="_x0000_s27657" name="Equation" r:id="rId3" imgW="635000" imgH="228600" progId="Equation.DSMT4">
+                <p:oleObj spid="_x0000_s27659" name="Equation" r:id="rId3" imgW="635000" imgH="228600" progId="Equation.DSMT4">
                   <p:embed/>
                 </p:oleObj>
               </mc:Choice>
@@ -22411,7 +22415,7 @@
           <a:graphicData uri="http://schemas.openxmlformats.org/presentationml/2006/ole">
             <mc:AlternateContent xmlns:mc="http://schemas.openxmlformats.org/markup-compatibility/2006">
               <mc:Choice xmlns:v="urn:schemas-microsoft-com:vml" Requires="v">
-                <p:oleObj spid="_x0000_s10283" name="Equation" r:id="rId3" imgW="635000" imgH="228600" progId="Equation.DSMT4">
+                <p:oleObj spid="_x0000_s10285" name="Equation" r:id="rId3" imgW="635000" imgH="228600" progId="Equation.DSMT4">
                   <p:embed/>
                 </p:oleObj>
               </mc:Choice>
@@ -22825,7 +22829,7 @@
             <a:graphicData uri="http://schemas.openxmlformats.org/presentationml/2006/ole">
               <mc:AlternateContent xmlns:mc="http://schemas.openxmlformats.org/markup-compatibility/2006">
                 <mc:Choice xmlns:v="urn:schemas-microsoft-com:vml" Requires="v">
-                  <p:oleObj spid="_x0000_s31755" name="Equation" r:id="rId3" imgW="635000" imgH="228600" progId="Equation.DSMT4">
+                  <p:oleObj spid="_x0000_s31757" name="Equation" r:id="rId3" imgW="635000" imgH="228600" progId="Equation.DSMT4">
                     <p:embed/>
                   </p:oleObj>
                 </mc:Choice>
@@ -24733,7 +24737,7 @@
           <a:graphicData uri="http://schemas.openxmlformats.org/presentationml/2006/ole">
             <mc:AlternateContent xmlns:mc="http://schemas.openxmlformats.org/markup-compatibility/2006">
               <mc:Choice xmlns:v="urn:schemas-microsoft-com:vml" Requires="v">
-                <p:oleObj spid="_x0000_s17430" name="Equation" r:id="rId3" imgW="635000" imgH="228600" progId="Equation.DSMT4">
+                <p:oleObj spid="_x0000_s17432" name="Equation" r:id="rId3" imgW="635000" imgH="228600" progId="Equation.DSMT4">
                   <p:embed/>
                 </p:oleObj>
               </mc:Choice>
@@ -26499,7 +26503,7 @@
           <a:graphicData uri="http://schemas.openxmlformats.org/presentationml/2006/ole">
             <mc:AlternateContent xmlns:mc="http://schemas.openxmlformats.org/markup-compatibility/2006">
               <mc:Choice xmlns:v="urn:schemas-microsoft-com:vml" Requires="v">
-                <p:oleObj spid="_x0000_s18452" name="Equation" r:id="rId3" imgW="635000" imgH="228600" progId="Equation.DSMT4">
+                <p:oleObj spid="_x0000_s18454" name="Equation" r:id="rId3" imgW="635000" imgH="228600" progId="Equation.DSMT4">
                   <p:embed/>
                 </p:oleObj>
               </mc:Choice>

--- a/spring16/slidesS16/gray-edges.pptx
+++ b/spring16/slidesS16/gray-edges.pptx
@@ -3987,7 +3987,7 @@
           <a:graphicData uri="http://schemas.openxmlformats.org/presentationml/2006/ole">
             <mc:AlternateContent xmlns:mc="http://schemas.openxmlformats.org/markup-compatibility/2006">
               <mc:Choice xmlns:v="urn:schemas-microsoft-com:vml" Requires="v">
-                <p:oleObj spid="_x0000_s19471" name="Equation" r:id="rId3" imgW="635000" imgH="228600" progId="Equation.DSMT4">
+                <p:oleObj spid="_x0000_s19475" name="Equation" r:id="rId3" imgW="635000" imgH="228600" progId="Equation.DSMT4">
                   <p:embed/>
                 </p:oleObj>
               </mc:Choice>
@@ -4851,7 +4851,7 @@
           <a:graphicData uri="http://schemas.openxmlformats.org/presentationml/2006/ole">
             <mc:AlternateContent xmlns:mc="http://schemas.openxmlformats.org/markup-compatibility/2006">
               <mc:Choice xmlns:v="urn:schemas-microsoft-com:vml" Requires="v">
-                <p:oleObj spid="_x0000_s2132" name="Equation" r:id="rId3" imgW="1117600" imgH="152400" progId="Equation.DSMT4">
+                <p:oleObj spid="_x0000_s2139" name="Equation" r:id="rId3" imgW="1117600" imgH="152400" progId="Equation.DSMT4">
                   <p:embed/>
                 </p:oleObj>
               </mc:Choice>
@@ -4908,7 +4908,7 @@
           <a:graphicData uri="http://schemas.openxmlformats.org/presentationml/2006/ole">
             <mc:AlternateContent xmlns:mc="http://schemas.openxmlformats.org/markup-compatibility/2006">
               <mc:Choice xmlns:v="urn:schemas-microsoft-com:vml" Requires="v">
-                <p:oleObj spid="_x0000_s2133" name="Equation" r:id="rId5" imgW="889000" imgH="190500" progId="Equation.DSMT4">
+                <p:oleObj spid="_x0000_s2140" name="Equation" r:id="rId5" imgW="889000" imgH="190500" progId="Equation.DSMT4">
                   <p:embed/>
                 </p:oleObj>
               </mc:Choice>
@@ -7420,13 +7420,13 @@
   <p:clrMapOvr>
     <a:masterClrMapping/>
   </p:clrMapOvr>
-  <mc:AlternateContent xmlns:mc="http://schemas.openxmlformats.org/markup-compatibility/2006">
-    <mc:Choice xmlns:p14="http://schemas.microsoft.com/office/powerpoint/2010/main" Requires="p14">
+  <mc:AlternateContent xmlns:mc="http://schemas.openxmlformats.org/markup-compatibility/2006" xmlns:p14="http://schemas.microsoft.com/office/powerpoint/2010/main">
+    <mc:Choice Requires="p14">
       <p:transition spd="med" p14:dur="700" advClick="0">
         <p:fade/>
       </p:transition>
     </mc:Choice>
-    <mc:Fallback>
+    <mc:Fallback xmlns="">
       <p:transition xmlns:p14="http://schemas.microsoft.com/office/powerpoint/2010/main" spd="med" advClick="0">
         <p:fade/>
       </p:transition>
@@ -10914,181 +10914,6 @@
           </a:p>
         </p:txBody>
       </p:sp>
-      <p:grpSp>
-        <p:nvGrpSpPr>
-          <p:cNvPr id="17" name="Group 16"/>
-          <p:cNvGrpSpPr/>
-          <p:nvPr/>
-        </p:nvGrpSpPr>
-        <p:grpSpPr>
-          <a:xfrm>
-            <a:off x="2895600" y="1981200"/>
-            <a:ext cx="1143000" cy="1371600"/>
-            <a:chOff x="2895600" y="1981200"/>
-            <a:chExt cx="1143000" cy="1371600"/>
-          </a:xfrm>
-        </p:grpSpPr>
-        <p:cxnSp>
-          <p:nvCxnSpPr>
-            <p:cNvPr id="13" name="Straight Connector 12"/>
-            <p:cNvCxnSpPr>
-              <a:stCxn id="30" idx="3"/>
-              <a:endCxn id="37" idx="7"/>
-            </p:cNvCxnSpPr>
-            <p:nvPr/>
-          </p:nvCxnSpPr>
-          <p:spPr bwMode="auto">
-            <a:xfrm flipH="1">
-              <a:off x="3025682" y="2111282"/>
-              <a:ext cx="882836" cy="1111436"/>
-            </a:xfrm>
-            <a:prstGeom prst="line">
-              <a:avLst/>
-            </a:prstGeom>
-            <a:noFill/>
-            <a:ln w="69850" cap="flat" cmpd="sng" algn="ctr">
-              <a:solidFill>
-                <a:schemeClr val="bg2"/>
-              </a:solidFill>
-              <a:prstDash val="solid"/>
-              <a:round/>
-              <a:headEnd type="none" w="med" len="med"/>
-              <a:tailEnd type="none" w="lg" len="lg"/>
-            </a:ln>
-            <a:effectLst/>
-          </p:spPr>
-        </p:cxnSp>
-        <p:sp>
-          <p:nvSpPr>
-            <p:cNvPr id="30" name="Oval 29"/>
-            <p:cNvSpPr/>
-            <p:nvPr/>
-          </p:nvSpPr>
-          <p:spPr bwMode="auto">
-            <a:xfrm>
-              <a:off x="3886200" y="1981200"/>
-              <a:ext cx="152400" cy="152400"/>
-            </a:xfrm>
-            <a:prstGeom prst="ellipse">
-              <a:avLst/>
-            </a:prstGeom>
-            <a:solidFill>
-              <a:schemeClr val="bg1"/>
-            </a:solidFill>
-            <a:ln w="3175" cap="flat" cmpd="sng" algn="ctr">
-              <a:solidFill>
-                <a:schemeClr val="tx1"/>
-              </a:solidFill>
-              <a:prstDash val="solid"/>
-              <a:round/>
-              <a:headEnd type="none" w="med" len="med"/>
-              <a:tailEnd type="triangle" w="lg" len="lg"/>
-            </a:ln>
-            <a:effectLst/>
-          </p:spPr>
-          <p:txBody>
-            <a:bodyPr vert="horz" wrap="square" lIns="91440" tIns="45720" rIns="91440" bIns="45720" numCol="1" rtlCol="0" anchor="t" anchorCtr="0" compatLnSpc="1">
-              <a:prstTxWarp prst="textNoShape">
-                <a:avLst/>
-              </a:prstTxWarp>
-            </a:bodyPr>
-            <a:lstStyle/>
-            <a:p>
-              <a:pPr marL="0" marR="0" indent="0" algn="l" defTabSz="914400" rtl="0" eaLnBrk="1" fontAlgn="base" latinLnBrk="0" hangingPunct="1">
-                <a:lnSpc>
-                  <a:spcPct val="100000"/>
-                </a:lnSpc>
-                <a:spcBef>
-                  <a:spcPct val="0"/>
-                </a:spcBef>
-                <a:spcAft>
-                  <a:spcPct val="0"/>
-                </a:spcAft>
-                <a:buClrTx/>
-                <a:buSzTx/>
-                <a:buFontTx/>
-                <a:buNone/>
-                <a:tabLst/>
-              </a:pPr>
-              <a:endParaRPr kumimoji="0" lang="en-US" sz="3200" b="0" i="0" u="none" strike="noStrike" cap="none" normalizeH="0" baseline="0" smtClean="0">
-                <a:ln>
-                  <a:noFill/>
-                </a:ln>
-                <a:solidFill>
-                  <a:schemeClr val="tx1"/>
-                </a:solidFill>
-                <a:effectLst/>
-                <a:latin typeface="Comic Sans MS" pitchFamily="66" charset="0"/>
-              </a:endParaRPr>
-            </a:p>
-          </p:txBody>
-        </p:sp>
-        <p:sp>
-          <p:nvSpPr>
-            <p:cNvPr id="37" name="Oval 36"/>
-            <p:cNvSpPr/>
-            <p:nvPr/>
-          </p:nvSpPr>
-          <p:spPr bwMode="auto">
-            <a:xfrm>
-              <a:off x="2895600" y="3200400"/>
-              <a:ext cx="152400" cy="152400"/>
-            </a:xfrm>
-            <a:prstGeom prst="ellipse">
-              <a:avLst/>
-            </a:prstGeom>
-            <a:solidFill>
-              <a:schemeClr val="bg1"/>
-            </a:solidFill>
-            <a:ln w="3175" cap="flat" cmpd="sng" algn="ctr">
-              <a:solidFill>
-                <a:schemeClr val="tx1"/>
-              </a:solidFill>
-              <a:prstDash val="solid"/>
-              <a:round/>
-              <a:headEnd type="none" w="med" len="med"/>
-              <a:tailEnd type="triangle" w="lg" len="lg"/>
-            </a:ln>
-            <a:effectLst/>
-          </p:spPr>
-          <p:txBody>
-            <a:bodyPr vert="horz" wrap="square" lIns="91440" tIns="45720" rIns="91440" bIns="45720" numCol="1" rtlCol="0" anchor="t" anchorCtr="0" compatLnSpc="1">
-              <a:prstTxWarp prst="textNoShape">
-                <a:avLst/>
-              </a:prstTxWarp>
-            </a:bodyPr>
-            <a:lstStyle/>
-            <a:p>
-              <a:pPr marL="0" marR="0" indent="0" algn="l" defTabSz="914400" rtl="0" eaLnBrk="1" fontAlgn="base" latinLnBrk="0" hangingPunct="1">
-                <a:lnSpc>
-                  <a:spcPct val="100000"/>
-                </a:lnSpc>
-                <a:spcBef>
-                  <a:spcPct val="0"/>
-                </a:spcBef>
-                <a:spcAft>
-                  <a:spcPct val="0"/>
-                </a:spcAft>
-                <a:buClrTx/>
-                <a:buSzTx/>
-                <a:buFontTx/>
-                <a:buNone/>
-                <a:tabLst/>
-              </a:pPr>
-              <a:endParaRPr kumimoji="0" lang="en-US" sz="3200" b="0" i="0" u="none" strike="noStrike" cap="none" normalizeH="0" baseline="0" smtClean="0">
-                <a:ln>
-                  <a:noFill/>
-                </a:ln>
-                <a:solidFill>
-                  <a:schemeClr val="tx1"/>
-                </a:solidFill>
-                <a:effectLst/>
-                <a:latin typeface="Comic Sans MS" pitchFamily="66" charset="0"/>
-              </a:endParaRPr>
-            </a:p>
-          </p:txBody>
-        </p:sp>
-      </p:grpSp>
       <p:sp>
         <p:nvSpPr>
           <p:cNvPr id="5" name="Oval 4"/>
@@ -12231,48 +12056,238 @@
           </a:p>
         </p:txBody>
       </p:sp>
-      <p:sp>
-        <p:nvSpPr>
-          <p:cNvPr id="46" name="TextBox 45"/>
-          <p:cNvSpPr txBox="1"/>
+      <p:grpSp>
+        <p:nvGrpSpPr>
+          <p:cNvPr id="2" name="Group 1"/>
+          <p:cNvGrpSpPr/>
           <p:nvPr/>
-        </p:nvSpPr>
-        <p:spPr>
+        </p:nvGrpSpPr>
+        <p:grpSpPr>
           <a:xfrm>
             <a:off x="2819400" y="1676400"/>
-            <a:ext cx="762000" cy="1015663"/>
+            <a:ext cx="1219200" cy="1676400"/>
+            <a:chOff x="2819400" y="1676400"/>
+            <a:chExt cx="1219200" cy="1676400"/>
           </a:xfrm>
-          <a:prstGeom prst="rect">
-            <a:avLst/>
-          </a:prstGeom>
-          <a:noFill/>
-        </p:spPr>
-        <p:txBody>
-          <a:bodyPr wrap="square" rtlCol="0">
-            <a:spAutoFit/>
-          </a:bodyPr>
-          <a:lstStyle/>
-          <a:p>
-            <a:r>
-              <a:rPr lang="en-US" sz="6000" dirty="0" smtClean="0">
+        </p:grpSpPr>
+        <p:grpSp>
+          <p:nvGrpSpPr>
+            <p:cNvPr id="17" name="Group 16"/>
+            <p:cNvGrpSpPr/>
+            <p:nvPr/>
+          </p:nvGrpSpPr>
+          <p:grpSpPr>
+            <a:xfrm>
+              <a:off x="2895600" y="1981200"/>
+              <a:ext cx="1143000" cy="1371600"/>
+              <a:chOff x="2895600" y="1981200"/>
+              <a:chExt cx="1143000" cy="1371600"/>
+            </a:xfrm>
+          </p:grpSpPr>
+          <p:cxnSp>
+            <p:nvCxnSpPr>
+              <p:cNvPr id="13" name="Straight Connector 12"/>
+              <p:cNvCxnSpPr>
+                <a:stCxn id="30" idx="3"/>
+                <a:endCxn id="37" idx="7"/>
+              </p:cNvCxnSpPr>
+              <p:nvPr/>
+            </p:nvCxnSpPr>
+            <p:spPr bwMode="auto">
+              <a:xfrm flipH="1">
+                <a:off x="3025682" y="2111282"/>
+                <a:ext cx="882836" cy="1111436"/>
+              </a:xfrm>
+              <a:prstGeom prst="line">
+                <a:avLst/>
+              </a:prstGeom>
+              <a:noFill/>
+              <a:ln w="69850" cap="flat" cmpd="sng" algn="ctr">
+                <a:solidFill>
+                  <a:schemeClr val="bg2"/>
+                </a:solidFill>
+                <a:prstDash val="solid"/>
+                <a:round/>
+                <a:headEnd type="none" w="med" len="med"/>
+                <a:tailEnd type="none" w="lg" len="lg"/>
+              </a:ln>
+              <a:effectLst/>
+            </p:spPr>
+          </p:cxnSp>
+          <p:sp>
+            <p:nvSpPr>
+              <p:cNvPr id="30" name="Oval 29"/>
+              <p:cNvSpPr/>
+              <p:nvPr/>
+            </p:nvSpPr>
+            <p:spPr bwMode="auto">
+              <a:xfrm>
+                <a:off x="3886200" y="1981200"/>
+                <a:ext cx="152400" cy="152400"/>
+              </a:xfrm>
+              <a:prstGeom prst="ellipse">
+                <a:avLst/>
+              </a:prstGeom>
+              <a:solidFill>
+                <a:schemeClr val="bg1"/>
+              </a:solidFill>
+              <a:ln w="3175" cap="flat" cmpd="sng" algn="ctr">
+                <a:solidFill>
+                  <a:schemeClr val="tx1"/>
+                </a:solidFill>
+                <a:prstDash val="solid"/>
+                <a:round/>
+                <a:headEnd type="none" w="med" len="med"/>
+                <a:tailEnd type="triangle" w="lg" len="lg"/>
+              </a:ln>
+              <a:effectLst/>
+            </p:spPr>
+            <p:txBody>
+              <a:bodyPr vert="horz" wrap="square" lIns="91440" tIns="45720" rIns="91440" bIns="45720" numCol="1" rtlCol="0" anchor="t" anchorCtr="0" compatLnSpc="1">
+                <a:prstTxWarp prst="textNoShape">
+                  <a:avLst/>
+                </a:prstTxWarp>
+              </a:bodyPr>
+              <a:lstStyle/>
+              <a:p>
+                <a:pPr marL="0" marR="0" indent="0" algn="l" defTabSz="914400" rtl="0" eaLnBrk="1" fontAlgn="base" latinLnBrk="0" hangingPunct="1">
+                  <a:lnSpc>
+                    <a:spcPct val="100000"/>
+                  </a:lnSpc>
+                  <a:spcBef>
+                    <a:spcPct val="0"/>
+                  </a:spcBef>
+                  <a:spcAft>
+                    <a:spcPct val="0"/>
+                  </a:spcAft>
+                  <a:buClrTx/>
+                  <a:buSzTx/>
+                  <a:buFontTx/>
+                  <a:buNone/>
+                  <a:tabLst/>
+                </a:pPr>
+                <a:endParaRPr kumimoji="0" lang="en-US" sz="3200" b="0" i="0" u="none" strike="noStrike" cap="none" normalizeH="0" baseline="0" smtClean="0">
+                  <a:ln>
+                    <a:noFill/>
+                  </a:ln>
+                  <a:solidFill>
+                    <a:schemeClr val="tx1"/>
+                  </a:solidFill>
+                  <a:effectLst/>
+                  <a:latin typeface="Comic Sans MS" pitchFamily="66" charset="0"/>
+                </a:endParaRPr>
+              </a:p>
+            </p:txBody>
+          </p:sp>
+          <p:sp>
+            <p:nvSpPr>
+              <p:cNvPr id="37" name="Oval 36"/>
+              <p:cNvSpPr/>
+              <p:nvPr/>
+            </p:nvSpPr>
+            <p:spPr bwMode="auto">
+              <a:xfrm>
+                <a:off x="2895600" y="3200400"/>
+                <a:ext cx="152400" cy="152400"/>
+              </a:xfrm>
+              <a:prstGeom prst="ellipse">
+                <a:avLst/>
+              </a:prstGeom>
+              <a:solidFill>
+                <a:schemeClr val="bg1"/>
+              </a:solidFill>
+              <a:ln w="3175" cap="flat" cmpd="sng" algn="ctr">
+                <a:solidFill>
+                  <a:schemeClr val="tx1"/>
+                </a:solidFill>
+                <a:prstDash val="solid"/>
+                <a:round/>
+                <a:headEnd type="none" w="med" len="med"/>
+                <a:tailEnd type="triangle" w="lg" len="lg"/>
+              </a:ln>
+              <a:effectLst/>
+            </p:spPr>
+            <p:txBody>
+              <a:bodyPr vert="horz" wrap="square" lIns="91440" tIns="45720" rIns="91440" bIns="45720" numCol="1" rtlCol="0" anchor="t" anchorCtr="0" compatLnSpc="1">
+                <a:prstTxWarp prst="textNoShape">
+                  <a:avLst/>
+                </a:prstTxWarp>
+              </a:bodyPr>
+              <a:lstStyle/>
+              <a:p>
+                <a:pPr marL="0" marR="0" indent="0" algn="l" defTabSz="914400" rtl="0" eaLnBrk="1" fontAlgn="base" latinLnBrk="0" hangingPunct="1">
+                  <a:lnSpc>
+                    <a:spcPct val="100000"/>
+                  </a:lnSpc>
+                  <a:spcBef>
+                    <a:spcPct val="0"/>
+                  </a:spcBef>
+                  <a:spcAft>
+                    <a:spcPct val="0"/>
+                  </a:spcAft>
+                  <a:buClrTx/>
+                  <a:buSzTx/>
+                  <a:buFontTx/>
+                  <a:buNone/>
+                  <a:tabLst/>
+                </a:pPr>
+                <a:endParaRPr kumimoji="0" lang="en-US" sz="3200" b="0" i="0" u="none" strike="noStrike" cap="none" normalizeH="0" baseline="0" smtClean="0">
+                  <a:ln>
+                    <a:noFill/>
+                  </a:ln>
+                  <a:solidFill>
+                    <a:schemeClr val="tx1"/>
+                  </a:solidFill>
+                  <a:effectLst/>
+                  <a:latin typeface="Comic Sans MS" pitchFamily="66" charset="0"/>
+                </a:endParaRPr>
+              </a:p>
+            </p:txBody>
+          </p:sp>
+        </p:grpSp>
+        <p:sp>
+          <p:nvSpPr>
+            <p:cNvPr id="46" name="TextBox 45"/>
+            <p:cNvSpPr txBox="1"/>
+            <p:nvPr/>
+          </p:nvSpPr>
+          <p:spPr>
+            <a:xfrm>
+              <a:off x="2819400" y="1676400"/>
+              <a:ext cx="762000" cy="1015663"/>
+            </a:xfrm>
+            <a:prstGeom prst="rect">
+              <a:avLst/>
+            </a:prstGeom>
+            <a:noFill/>
+          </p:spPr>
+          <p:txBody>
+            <a:bodyPr wrap="square" rtlCol="0">
+              <a:spAutoFit/>
+            </a:bodyPr>
+            <a:lstStyle/>
+            <a:p>
+              <a:r>
+                <a:rPr lang="en-US" sz="6000" dirty="0" smtClean="0">
+                  <a:solidFill>
+                    <a:schemeClr val="accent1">
+                      <a:lumMod val="50000"/>
+                    </a:schemeClr>
+                  </a:solidFill>
+                </a:rPr>
+                <a:t>g</a:t>
+              </a:r>
+              <a:endParaRPr lang="en-US" sz="6000" dirty="0">
                 <a:solidFill>
                   <a:schemeClr val="accent1">
                     <a:lumMod val="50000"/>
                   </a:schemeClr>
                 </a:solidFill>
-              </a:rPr>
-              <a:t>g</a:t>
-            </a:r>
-            <a:endParaRPr lang="en-US" sz="6000" dirty="0">
-              <a:solidFill>
-                <a:schemeClr val="accent1">
-                  <a:lumMod val="50000"/>
-                </a:schemeClr>
-              </a:solidFill>
-            </a:endParaRPr>
-          </a:p>
-        </p:txBody>
-      </p:sp>
+              </a:endParaRPr>
+            </a:p>
+          </p:txBody>
+        </p:sp>
+      </p:grpSp>
     </p:spTree>
     <p:extLst>
       <p:ext uri="{BB962C8B-B14F-4D97-AF65-F5344CB8AC3E}">
@@ -12294,7 +12309,86 @@
   <p:timing>
     <p:tnLst>
       <p:par>
-        <p:cTn xmlns:p14="http://schemas.microsoft.com/office/powerpoint/2010/main" id="1" dur="indefinite" restart="never" nodeType="tmRoot"/>
+        <p:cTn xmlns:p14="http://schemas.microsoft.com/office/powerpoint/2010/main" id="1" dur="indefinite" restart="never" nodeType="tmRoot">
+          <p:childTnLst>
+            <p:seq concurrent="1" nextAc="seek">
+              <p:cTn id="2" dur="indefinite" nodeType="mainSeq">
+                <p:childTnLst>
+                  <p:par>
+                    <p:cTn id="3" fill="hold">
+                      <p:stCondLst>
+                        <p:cond delay="indefinite"/>
+                        <p:cond evt="onBegin" delay="0">
+                          <p:tn val="2"/>
+                        </p:cond>
+                      </p:stCondLst>
+                      <p:childTnLst>
+                        <p:par>
+                          <p:cTn id="4" fill="hold">
+                            <p:stCondLst>
+                              <p:cond delay="0"/>
+                            </p:stCondLst>
+                            <p:childTnLst>
+                              <p:par>
+                                <p:cTn id="5" presetID="10" presetClass="entr" presetSubtype="0" fill="hold" nodeType="afterEffect">
+                                  <p:stCondLst>
+                                    <p:cond delay="0"/>
+                                  </p:stCondLst>
+                                  <p:childTnLst>
+                                    <p:set>
+                                      <p:cBhvr>
+                                        <p:cTn id="6" dur="1" fill="hold">
+                                          <p:stCondLst>
+                                            <p:cond delay="0"/>
+                                          </p:stCondLst>
+                                        </p:cTn>
+                                        <p:tgtEl>
+                                          <p:spTgt spid="2"/>
+                                        </p:tgtEl>
+                                        <p:attrNameLst>
+                                          <p:attrName>style.visibility</p:attrName>
+                                        </p:attrNameLst>
+                                      </p:cBhvr>
+                                      <p:to>
+                                        <p:strVal val="visible"/>
+                                      </p:to>
+                                    </p:set>
+                                    <p:animEffect transition="in" filter="fade">
+                                      <p:cBhvr>
+                                        <p:cTn id="7" dur="500"/>
+                                        <p:tgtEl>
+                                          <p:spTgt spid="2"/>
+                                        </p:tgtEl>
+                                      </p:cBhvr>
+                                    </p:animEffect>
+                                  </p:childTnLst>
+                                </p:cTn>
+                              </p:par>
+                            </p:childTnLst>
+                          </p:cTn>
+                        </p:par>
+                      </p:childTnLst>
+                    </p:cTn>
+                  </p:par>
+                </p:childTnLst>
+              </p:cTn>
+              <p:prevCondLst>
+                <p:cond evt="onPrev" delay="0">
+                  <p:tgtEl>
+                    <p:sldTgt/>
+                  </p:tgtEl>
+                </p:cond>
+              </p:prevCondLst>
+              <p:nextCondLst>
+                <p:cond evt="onNext" delay="0">
+                  <p:tgtEl>
+                    <p:sldTgt/>
+                  </p:tgtEl>
+                </p:cond>
+              </p:nextCondLst>
+            </p:seq>
+          </p:childTnLst>
+        </p:cTn>
       </p:par>
     </p:tnLst>
   </p:timing>
@@ -14525,7 +14619,7 @@
           <a:graphicData uri="http://schemas.openxmlformats.org/presentationml/2006/ole">
             <mc:AlternateContent xmlns:mc="http://schemas.openxmlformats.org/markup-compatibility/2006">
               <mc:Choice xmlns:v="urn:schemas-microsoft-com:vml" Requires="v">
-                <p:oleObj spid="_x0000_s23571" name="Equation" r:id="rId3" imgW="393700" imgH="228600" progId="Equation.DSMT4">
+                <p:oleObj spid="_x0000_s23575" name="Equation" r:id="rId3" imgW="393700" imgH="228600" progId="Equation.DSMT4">
                   <p:embed/>
                 </p:oleObj>
               </mc:Choice>
@@ -17083,7 +17177,7 @@
           <a:graphicData uri="http://schemas.openxmlformats.org/presentationml/2006/ole">
             <mc:AlternateContent xmlns:mc="http://schemas.openxmlformats.org/markup-compatibility/2006">
               <mc:Choice xmlns:v="urn:schemas-microsoft-com:vml" Requires="v">
-                <p:oleObj spid="_x0000_s9262" name="Equation" r:id="rId3" imgW="635000" imgH="228600" progId="Equation.DSMT4">
+                <p:oleObj spid="_x0000_s9266" name="Equation" r:id="rId3" imgW="635000" imgH="228600" progId="Equation.DSMT4">
                   <p:embed/>
                 </p:oleObj>
               </mc:Choice>
@@ -17501,7 +17595,7 @@
             <a:graphicData uri="http://schemas.openxmlformats.org/presentationml/2006/ole">
               <mc:AlternateContent xmlns:mc="http://schemas.openxmlformats.org/markup-compatibility/2006">
                 <mc:Choice xmlns:v="urn:schemas-microsoft-com:vml" Requires="v">
-                  <p:oleObj spid="_x0000_s28684" name="Equation" r:id="rId3" imgW="635000" imgH="228600" progId="Equation.DSMT4">
+                  <p:oleObj spid="_x0000_s28688" name="Equation" r:id="rId3" imgW="635000" imgH="228600" progId="Equation.DSMT4">
                     <p:embed/>
                   </p:oleObj>
                 </mc:Choice>
@@ -20081,7 +20175,7 @@
           <a:graphicData uri="http://schemas.openxmlformats.org/presentationml/2006/ole">
             <mc:AlternateContent xmlns:mc="http://schemas.openxmlformats.org/markup-compatibility/2006">
               <mc:Choice xmlns:v="urn:schemas-microsoft-com:vml" Requires="v">
-                <p:oleObj spid="_x0000_s27659" name="Equation" r:id="rId3" imgW="635000" imgH="228600" progId="Equation.DSMT4">
+                <p:oleObj spid="_x0000_s27663" name="Equation" r:id="rId3" imgW="635000" imgH="228600" progId="Equation.DSMT4">
                   <p:embed/>
                 </p:oleObj>
               </mc:Choice>
@@ -20271,13 +20365,13 @@
   <p:clrMapOvr>
     <a:masterClrMapping/>
   </p:clrMapOvr>
-  <mc:AlternateContent xmlns:mc="http://schemas.openxmlformats.org/markup-compatibility/2006" xmlns:p14="http://schemas.microsoft.com/office/powerpoint/2010/main">
-    <mc:Choice Requires="p14">
-      <p:transition spd="slow" p14:dur="900" advClick="0">
+  <mc:AlternateContent xmlns:mc="http://schemas.openxmlformats.org/markup-compatibility/2006">
+    <mc:Choice xmlns:p14="http://schemas.microsoft.com/office/powerpoint/2010/main" Requires="p14">
+      <p:transition spd="slow" p14:dur="800" advClick="0">
         <p:fade/>
       </p:transition>
     </mc:Choice>
-    <mc:Fallback xmlns="">
+    <mc:Fallback>
       <p:transition xmlns:p14="http://schemas.microsoft.com/office/powerpoint/2010/main" spd="slow" advClick="0">
         <p:fade/>
       </p:transition>
@@ -22415,7 +22509,7 @@
           <a:graphicData uri="http://schemas.openxmlformats.org/presentationml/2006/ole">
             <mc:AlternateContent xmlns:mc="http://schemas.openxmlformats.org/markup-compatibility/2006">
               <mc:Choice xmlns:v="urn:schemas-microsoft-com:vml" Requires="v">
-                <p:oleObj spid="_x0000_s10285" name="Equation" r:id="rId3" imgW="635000" imgH="228600" progId="Equation.DSMT4">
+                <p:oleObj spid="_x0000_s10289" name="Equation" r:id="rId3" imgW="635000" imgH="228600" progId="Equation.DSMT4">
                   <p:embed/>
                 </p:oleObj>
               </mc:Choice>
@@ -22769,7 +22863,19 @@
             <a:p>
               <a:r>
                 <a:rPr lang="en-US" sz="5400" dirty="0" smtClean="0"/>
-                <a:t>                  is connected:</a:t>
+                <a:t>                  is </a:t>
+              </a:r>
+              <a:r>
+                <a:rPr lang="en-US" sz="5400" dirty="0" smtClean="0">
+                  <a:solidFill>
+                    <a:srgbClr val="FF00FF"/>
+                  </a:solidFill>
+                </a:rPr>
+                <a:t>connected</a:t>
+              </a:r>
+              <a:r>
+                <a:rPr lang="en-US" sz="5400" dirty="0" smtClean="0"/>
+                <a:t>:</a:t>
               </a:r>
             </a:p>
             <a:p>
@@ -22829,7 +22935,7 @@
             <a:graphicData uri="http://schemas.openxmlformats.org/presentationml/2006/ole">
               <mc:AlternateContent xmlns:mc="http://schemas.openxmlformats.org/markup-compatibility/2006">
                 <mc:Choice xmlns:v="urn:schemas-microsoft-com:vml" Requires="v">
-                  <p:oleObj spid="_x0000_s31757" name="Equation" r:id="rId3" imgW="635000" imgH="228600" progId="Equation.DSMT4">
+                  <p:oleObj spid="_x0000_s31761" name="Equation" r:id="rId3" imgW="635000" imgH="228600" progId="Equation.DSMT4">
                     <p:embed/>
                   </p:oleObj>
                 </mc:Choice>
@@ -22954,7 +23060,23 @@
                   <a:srgbClr val="000000"/>
                 </a:solidFill>
               </a:rPr>
-              <a:t>so also a spanning </a:t>
+              <a:t>so also a </a:t>
+            </a:r>
+            <a:r>
+              <a:rPr lang="en-US" sz="5400" dirty="0">
+                <a:solidFill>
+                  <a:srgbClr val="FF00FF"/>
+                </a:solidFill>
+              </a:rPr>
+              <a:t>spanning </a:t>
+            </a:r>
+            <a:r>
+              <a:rPr lang="en-US" sz="5400" dirty="0" smtClean="0">
+                <a:solidFill>
+                  <a:srgbClr val="FF00FF"/>
+                </a:solidFill>
+              </a:rPr>
+              <a:t>tree</a:t>
             </a:r>
             <a:r>
               <a:rPr lang="en-US" sz="5400" dirty="0" smtClean="0">
@@ -22962,7 +23084,7 @@
                   <a:srgbClr val="000000"/>
                 </a:solidFill>
               </a:rPr>
-              <a:t>tree.</a:t>
+              <a:t>.</a:t>
             </a:r>
             <a:endParaRPr lang="en-US" sz="5400" dirty="0">
               <a:solidFill>
@@ -24737,7 +24859,7 @@
           <a:graphicData uri="http://schemas.openxmlformats.org/presentationml/2006/ole">
             <mc:AlternateContent xmlns:mc="http://schemas.openxmlformats.org/markup-compatibility/2006">
               <mc:Choice xmlns:v="urn:schemas-microsoft-com:vml" Requires="v">
-                <p:oleObj spid="_x0000_s17432" name="Equation" r:id="rId3" imgW="635000" imgH="228600" progId="Equation.DSMT4">
+                <p:oleObj spid="_x0000_s17436" name="Equation" r:id="rId3" imgW="635000" imgH="228600" progId="Equation.DSMT4">
                   <p:embed/>
                 </p:oleObj>
               </mc:Choice>
@@ -26503,7 +26625,7 @@
           <a:graphicData uri="http://schemas.openxmlformats.org/presentationml/2006/ole">
             <mc:AlternateContent xmlns:mc="http://schemas.openxmlformats.org/markup-compatibility/2006">
               <mc:Choice xmlns:v="urn:schemas-microsoft-com:vml" Requires="v">
-                <p:oleObj spid="_x0000_s18454" name="Equation" r:id="rId3" imgW="635000" imgH="228600" progId="Equation.DSMT4">
+                <p:oleObj spid="_x0000_s18458" name="Equation" r:id="rId3" imgW="635000" imgH="228600" progId="Equation.DSMT4">
                   <p:embed/>
                 </p:oleObj>
               </mc:Choice>
